--- a/1126進捗(真).pptx
+++ b/1126進捗(真).pptx
@@ -5,16 +5,17 @@
     <p:sldMasterId id="2147483648" r:id="rId1"/>
   </p:sldMasterIdLst>
   <p:notesMasterIdLst>
-    <p:notesMasterId r:id="rId9"/>
+    <p:notesMasterId r:id="rId10"/>
   </p:notesMasterIdLst>
   <p:sldIdLst>
     <p:sldId id="256" r:id="rId2"/>
-    <p:sldId id="257" r:id="rId3"/>
+    <p:sldId id="258" r:id="rId3"/>
     <p:sldId id="261" r:id="rId4"/>
     <p:sldId id="262" r:id="rId5"/>
-    <p:sldId id="260" r:id="rId6"/>
-    <p:sldId id="258" r:id="rId7"/>
-    <p:sldId id="259" r:id="rId8"/>
+    <p:sldId id="263" r:id="rId6"/>
+    <p:sldId id="260" r:id="rId7"/>
+    <p:sldId id="264" r:id="rId8"/>
+    <p:sldId id="259" r:id="rId9"/>
   </p:sldIdLst>
   <p:sldSz cx="9144000" cy="6858000" type="screen4x3"/>
   <p:notesSz cx="6858000" cy="9144000"/>
@@ -119,11 +120,12 @@
         <p14:section name="既定のセクション" id="{F16C0970-AE49-C14F-B39C-514FC6A8B575}">
           <p14:sldIdLst>
             <p14:sldId id="256"/>
-            <p14:sldId id="257"/>
+            <p14:sldId id="258"/>
             <p14:sldId id="261"/>
             <p14:sldId id="262"/>
+            <p14:sldId id="263"/>
             <p14:sldId id="260"/>
-            <p14:sldId id="258"/>
+            <p14:sldId id="264"/>
             <p14:sldId id="259"/>
           </p14:sldIdLst>
         </p14:section>
@@ -4095,7 +4097,7 @@
     </p:spTree>
     <p:extLst>
       <p:ext uri="{BB962C8B-B14F-4D97-AF65-F5344CB8AC3E}">
-        <p14:creationId xmlns:p14="http://schemas.microsoft.com/office/powerpoint/2010/main" val="3052690207"/>
+        <p14:creationId xmlns:p14="http://schemas.microsoft.com/office/powerpoint/2010/main" val="3970004740"/>
       </p:ext>
     </p:extLst>
   </p:cSld>
@@ -4198,7 +4200,7 @@
     </p:spTree>
     <p:extLst>
       <p:ext uri="{BB962C8B-B14F-4D97-AF65-F5344CB8AC3E}">
-        <p14:creationId xmlns:p14="http://schemas.microsoft.com/office/powerpoint/2010/main" val="123605201"/>
+        <p14:creationId xmlns:p14="http://schemas.microsoft.com/office/powerpoint/2010/main" val="2626278922"/>
       </p:ext>
     </p:extLst>
   </p:cSld>
@@ -4407,7 +4409,7 @@
     </p:spTree>
     <p:extLst>
       <p:ext uri="{BB962C8B-B14F-4D97-AF65-F5344CB8AC3E}">
-        <p14:creationId xmlns:p14="http://schemas.microsoft.com/office/powerpoint/2010/main" val="1751978823"/>
+        <p14:creationId xmlns:p14="http://schemas.microsoft.com/office/powerpoint/2010/main" val="1240565875"/>
       </p:ext>
     </p:extLst>
   </p:cSld>
@@ -4450,10 +4452,9 @@
           <a:lstStyle/>
           <a:p>
             <a:r>
-              <a:rPr kumimoji="1" lang="en-US" altLang="ja-JP" dirty="0" err="1"/>
-              <a:t>moodle</a:t>
-            </a:r>
-            <a:endParaRPr kumimoji="1" lang="ja-JP" altLang="en-US" dirty="0"/>
+              <a:rPr kumimoji="1" lang="ja-JP" altLang="en-US" dirty="0"/>
+              <a:t>原因</a:t>
+            </a:r>
           </a:p>
         </p:txBody>
       </p:sp>
@@ -4472,21 +4473,119 @@
           <a:bodyPr/>
           <a:lstStyle/>
           <a:p>
-            <a:r>
-              <a:rPr kumimoji="1" lang="ja-JP" altLang="en-US" dirty="0"/>
-              <a:t>再インストールを行なった。</a:t>
+            <a:pPr marL="0" indent="0">
+              <a:spcBef>
+                <a:spcPts val="0"/>
+              </a:spcBef>
+              <a:buNone/>
+            </a:pPr>
+            <a:r>
+              <a:rPr lang="en-US" altLang="ja-JP" dirty="0"/>
+              <a:t>401 Unauthorized</a:t>
+            </a:r>
+          </a:p>
+          <a:p>
+            <a:pPr marL="0" indent="0">
+              <a:spcBef>
+                <a:spcPts val="0"/>
+              </a:spcBef>
+              <a:buNone/>
+            </a:pPr>
+            <a:r>
+              <a:rPr lang="en-US" altLang="ja-JP" dirty="0"/>
+              <a:t>Invalid authorization header</a:t>
+            </a:r>
+            <a:r>
+              <a:rPr lang="ja-JP" altLang="en-US" dirty="0"/>
+              <a:t>を吐かれた</a:t>
+            </a:r>
+            <a:endParaRPr lang="en-US" altLang="ja-JP" dirty="0"/>
+          </a:p>
+          <a:p>
+            <a:pPr marL="0" indent="0">
+              <a:spcBef>
+                <a:spcPts val="0"/>
+              </a:spcBef>
+              <a:buNone/>
+            </a:pPr>
+            <a:r>
+              <a:rPr lang="en-US" altLang="ja-JP" dirty="0"/>
+              <a:t>-</a:t>
+            </a:r>
+            <a:r>
+              <a:rPr lang="ja-JP" altLang="en-US" dirty="0"/>
+              <a:t>考えられる原因</a:t>
             </a:r>
             <a:br>
-              <a:rPr kumimoji="1" lang="en-US" altLang="ja-JP" dirty="0"/>
+              <a:rPr lang="en-US" altLang="ja-JP" dirty="0"/>
             </a:br>
             <a:r>
-              <a:rPr kumimoji="1" lang="en-US" altLang="ja-JP" dirty="0"/>
-              <a:t>-DB</a:t>
+              <a:rPr lang="en-US" altLang="ja-JP" dirty="0"/>
+              <a:t> -</a:t>
+            </a:r>
+            <a:r>
+              <a:rPr lang="en-US" altLang="ja-JP" dirty="0" err="1"/>
+              <a:t>oauth_signature</a:t>
             </a:r>
             <a:r>
               <a:rPr lang="ja-JP" altLang="en-US" dirty="0"/>
-              <a:t>関係のエラーが吐かれたところで一旦やめた。</a:t>
-            </a:r>
+              <a:t>が合っていない</a:t>
+            </a:r>
+            <a:br>
+              <a:rPr lang="en-US" altLang="ja-JP" dirty="0"/>
+            </a:br>
+            <a:r>
+              <a:rPr lang="en-US" altLang="ja-JP" dirty="0"/>
+              <a:t> -timestamp</a:t>
+            </a:r>
+            <a:r>
+              <a:rPr lang="ja-JP" altLang="en-US" dirty="0"/>
+              <a:t>がずれている</a:t>
+            </a:r>
+            <a:endParaRPr lang="en-US" altLang="ja-JP" dirty="0"/>
+          </a:p>
+          <a:p>
+            <a:pPr marL="0" indent="0">
+              <a:spcBef>
+                <a:spcPts val="0"/>
+              </a:spcBef>
+              <a:buNone/>
+            </a:pPr>
+            <a:br>
+              <a:rPr lang="en-US" altLang="ja-JP" dirty="0"/>
+            </a:br>
+            <a:br>
+              <a:rPr lang="en-US" altLang="ja-JP" dirty="0"/>
+            </a:br>
+            <a:endParaRPr lang="en-US" altLang="ja-JP" dirty="0"/>
+          </a:p>
+          <a:p>
+            <a:pPr marL="0" indent="0">
+              <a:spcBef>
+                <a:spcPts val="0"/>
+              </a:spcBef>
+              <a:buNone/>
+            </a:pPr>
+            <a:endParaRPr lang="en-US" altLang="ja-JP" dirty="0"/>
+          </a:p>
+          <a:p>
+            <a:pPr marL="0" marR="0" lvl="0" indent="0" defTabSz="914400" eaLnBrk="1" fontAlgn="auto" latinLnBrk="0" hangingPunct="1">
+              <a:lnSpc>
+                <a:spcPct val="100000"/>
+              </a:lnSpc>
+              <a:spcBef>
+                <a:spcPts val="0"/>
+              </a:spcBef>
+              <a:spcAft>
+                <a:spcPts val="0"/>
+              </a:spcAft>
+              <a:buClrTx/>
+              <a:buSzTx/>
+              <a:buFontTx/>
+              <a:buNone/>
+              <a:tabLst/>
+              <a:defRPr/>
+            </a:pPr>
             <a:endParaRPr kumimoji="1" lang="ja-JP" altLang="en-US" dirty="0"/>
           </a:p>
         </p:txBody>
@@ -4519,7 +4618,7 @@
     </p:spTree>
     <p:extLst>
       <p:ext uri="{BB962C8B-B14F-4D97-AF65-F5344CB8AC3E}">
-        <p14:creationId xmlns:p14="http://schemas.microsoft.com/office/powerpoint/2010/main" val="326595098"/>
+        <p14:creationId xmlns:p14="http://schemas.microsoft.com/office/powerpoint/2010/main" val="1966601674"/>
       </p:ext>
     </p:extLst>
   </p:cSld>
@@ -4548,13 +4647,7 @@
       </p:grpSpPr>
       <p:sp>
         <p:nvSpPr>
-          <p:cNvPr id="2" name="タイトル 1">
-            <a:extLst>
-              <a:ext uri="{FF2B5EF4-FFF2-40B4-BE49-F238E27FC236}">
-                <a16:creationId xmlns:a16="http://schemas.microsoft.com/office/drawing/2014/main" id="{EAEDB7F6-4B82-9549-8A90-BAB96B68BA8A}"/>
-              </a:ext>
-            </a:extLst>
-          </p:cNvPr>
+          <p:cNvPr id="2" name="タイトル 1"/>
           <p:cNvSpPr>
             <a:spLocks noGrp="1"/>
           </p:cNvSpPr>
@@ -4568,21 +4661,16 @@
           <a:lstStyle/>
           <a:p>
             <a:r>
-              <a:rPr kumimoji="1" lang="ja-JP" altLang="en-US"/>
-              <a:t>シミュレータの進捗</a:t>
-            </a:r>
-          </a:p>
-        </p:txBody>
-      </p:sp>
-      <p:sp>
-        <p:nvSpPr>
-          <p:cNvPr id="3" name="コンテンツ プレースホルダー 2">
-            <a:extLst>
-              <a:ext uri="{FF2B5EF4-FFF2-40B4-BE49-F238E27FC236}">
-                <a16:creationId xmlns:a16="http://schemas.microsoft.com/office/drawing/2014/main" id="{874A8863-B32E-1E4F-A619-FD281BBB8CF0}"/>
-              </a:ext>
-            </a:extLst>
-          </p:cNvPr>
+              <a:rPr kumimoji="1" lang="en-US" altLang="ja-JP" dirty="0" err="1"/>
+              <a:t>moodle</a:t>
+            </a:r>
+            <a:endParaRPr kumimoji="1" lang="ja-JP" altLang="en-US" dirty="0"/>
+          </a:p>
+        </p:txBody>
+      </p:sp>
+      <p:sp>
+        <p:nvSpPr>
+          <p:cNvPr id="3" name="コンテンツ プレースホルダー 2"/>
           <p:cNvSpPr>
             <a:spLocks noGrp="1"/>
           </p:cNvSpPr>
@@ -4596,78 +4684,27 @@
           <a:lstStyle/>
           <a:p>
             <a:r>
+              <a:rPr kumimoji="1" lang="ja-JP" altLang="en-US" dirty="0"/>
+              <a:t>再インストールを行なった。</a:t>
+            </a:r>
+            <a:br>
               <a:rPr kumimoji="1" lang="en-US" altLang="ja-JP" dirty="0"/>
-              <a:t>PC</a:t>
-            </a:r>
-            <a:r>
-              <a:rPr kumimoji="1" lang="ja-JP" altLang="en-US"/>
-              <a:t>やルータと</a:t>
-            </a:r>
+            </a:br>
             <a:r>
               <a:rPr kumimoji="1" lang="en-US" altLang="ja-JP" dirty="0"/>
-              <a:t>LAN</a:t>
-            </a:r>
-            <a:r>
-              <a:rPr kumimoji="1" lang="ja-JP" altLang="en-US"/>
-              <a:t>の線の関連付け</a:t>
-            </a:r>
-            <a:endParaRPr kumimoji="1" lang="en-US" altLang="ja-JP" dirty="0"/>
-          </a:p>
-          <a:p>
-            <a:endParaRPr lang="en-US" altLang="ja-JP" dirty="0"/>
-          </a:p>
-          <a:p>
-            <a:r>
-              <a:rPr kumimoji="1" lang="ja-JP" altLang="en-US"/>
-              <a:t>詳細情報の表示</a:t>
-            </a:r>
-            <a:endParaRPr kumimoji="1" lang="en-US" altLang="ja-JP" dirty="0"/>
-          </a:p>
-          <a:p>
-            <a:endParaRPr lang="en-US" altLang="ja-JP" dirty="0"/>
-          </a:p>
-          <a:p>
-            <a:r>
-              <a:rPr kumimoji="1" lang="ja-JP" altLang="en-US"/>
-              <a:t>右クリックの機能の更新</a:t>
-            </a:r>
-            <a:endParaRPr kumimoji="1" lang="en-US" altLang="ja-JP" dirty="0"/>
-          </a:p>
-          <a:p>
-            <a:pPr lvl="1"/>
-            <a:r>
-              <a:rPr lang="en-US" altLang="ja-JP" dirty="0" err="1"/>
-              <a:t>JQuery</a:t>
-            </a:r>
-            <a:r>
-              <a:rPr lang="ja-JP" altLang="en-US"/>
-              <a:t>側での入力部分の追加</a:t>
-            </a:r>
-            <a:endParaRPr lang="en-US" altLang="ja-JP" dirty="0"/>
-          </a:p>
-          <a:p>
-            <a:pPr lvl="1"/>
-            <a:r>
-              <a:rPr lang="en-US" altLang="ja-JP" dirty="0"/>
-              <a:t>HTML</a:t>
-            </a:r>
-            <a:r>
-              <a:rPr lang="ja-JP" altLang="en-US"/>
-              <a:t>側の呼び出し元を一つに</a:t>
-            </a:r>
-            <a:endParaRPr lang="en-US" altLang="ja-JP" dirty="0"/>
-          </a:p>
-        </p:txBody>
-      </p:sp>
-      <p:sp>
-        <p:nvSpPr>
-          <p:cNvPr id="4" name="スライド番号プレースホルダー 3">
-            <a:extLst>
-              <a:ext uri="{FF2B5EF4-FFF2-40B4-BE49-F238E27FC236}">
-                <a16:creationId xmlns:a16="http://schemas.microsoft.com/office/drawing/2014/main" id="{D6B7FB2E-12B6-3043-842F-31EB878F4922}"/>
-              </a:ext>
-            </a:extLst>
-          </p:cNvPr>
+              <a:t>-DB</a:t>
+            </a:r>
+            <a:r>
+              <a:rPr lang="ja-JP" altLang="en-US" dirty="0"/>
+              <a:t>関係のエラーが吐かれたところで一旦やめた。</a:t>
+            </a:r>
+            <a:endParaRPr kumimoji="1" lang="ja-JP" altLang="en-US" dirty="0"/>
+          </a:p>
+        </p:txBody>
+      </p:sp>
+      <p:sp>
+        <p:nvSpPr>
+          <p:cNvPr id="4" name="スライド番号プレースホルダー 3"/>
           <p:cNvSpPr>
             <a:spLocks noGrp="1"/>
           </p:cNvSpPr>
@@ -4693,7 +4730,7 @@
     </p:spTree>
     <p:extLst>
       <p:ext uri="{BB962C8B-B14F-4D97-AF65-F5344CB8AC3E}">
-        <p14:creationId xmlns:p14="http://schemas.microsoft.com/office/powerpoint/2010/main" val="3421647381"/>
+        <p14:creationId xmlns:p14="http://schemas.microsoft.com/office/powerpoint/2010/main" val="2002403696"/>
       </p:ext>
     </p:extLst>
   </p:cSld>
@@ -4725,6 +4762,180 @@
           <p:cNvPr id="2" name="タイトル 1">
             <a:extLst>
               <a:ext uri="{FF2B5EF4-FFF2-40B4-BE49-F238E27FC236}">
+                <a16:creationId xmlns:a16="http://schemas.microsoft.com/office/drawing/2014/main" id="{EAEDB7F6-4B82-9549-8A90-BAB96B68BA8A}"/>
+              </a:ext>
+            </a:extLst>
+          </p:cNvPr>
+          <p:cNvSpPr>
+            <a:spLocks noGrp="1"/>
+          </p:cNvSpPr>
+          <p:nvPr>
+            <p:ph type="title"/>
+          </p:nvPr>
+        </p:nvSpPr>
+        <p:spPr/>
+        <p:txBody>
+          <a:bodyPr/>
+          <a:lstStyle/>
+          <a:p>
+            <a:r>
+              <a:rPr kumimoji="1" lang="ja-JP" altLang="en-US"/>
+              <a:t>シミュレータの進捗</a:t>
+            </a:r>
+          </a:p>
+        </p:txBody>
+      </p:sp>
+      <p:sp>
+        <p:nvSpPr>
+          <p:cNvPr id="3" name="コンテンツ プレースホルダー 2">
+            <a:extLst>
+              <a:ext uri="{FF2B5EF4-FFF2-40B4-BE49-F238E27FC236}">
+                <a16:creationId xmlns:a16="http://schemas.microsoft.com/office/drawing/2014/main" id="{874A8863-B32E-1E4F-A619-FD281BBB8CF0}"/>
+              </a:ext>
+            </a:extLst>
+          </p:cNvPr>
+          <p:cNvSpPr>
+            <a:spLocks noGrp="1"/>
+          </p:cNvSpPr>
+          <p:nvPr>
+            <p:ph idx="1"/>
+          </p:nvPr>
+        </p:nvSpPr>
+        <p:spPr/>
+        <p:txBody>
+          <a:bodyPr/>
+          <a:lstStyle/>
+          <a:p>
+            <a:r>
+              <a:rPr kumimoji="1" lang="en-US" altLang="ja-JP" dirty="0"/>
+              <a:t>PC</a:t>
+            </a:r>
+            <a:r>
+              <a:rPr kumimoji="1" lang="ja-JP" altLang="en-US"/>
+              <a:t>やルータと</a:t>
+            </a:r>
+            <a:r>
+              <a:rPr kumimoji="1" lang="en-US" altLang="ja-JP" dirty="0"/>
+              <a:t>LAN</a:t>
+            </a:r>
+            <a:r>
+              <a:rPr kumimoji="1" lang="ja-JP" altLang="en-US"/>
+              <a:t>の線の関連付け</a:t>
+            </a:r>
+            <a:endParaRPr kumimoji="1" lang="en-US" altLang="ja-JP" dirty="0"/>
+          </a:p>
+          <a:p>
+            <a:endParaRPr lang="en-US" altLang="ja-JP" dirty="0"/>
+          </a:p>
+          <a:p>
+            <a:r>
+              <a:rPr kumimoji="1" lang="ja-JP" altLang="en-US"/>
+              <a:t>詳細情報の表示</a:t>
+            </a:r>
+            <a:endParaRPr kumimoji="1" lang="en-US" altLang="ja-JP" dirty="0"/>
+          </a:p>
+          <a:p>
+            <a:endParaRPr lang="en-US" altLang="ja-JP" dirty="0"/>
+          </a:p>
+          <a:p>
+            <a:r>
+              <a:rPr kumimoji="1" lang="ja-JP" altLang="en-US"/>
+              <a:t>右クリックの機能の更新</a:t>
+            </a:r>
+            <a:endParaRPr kumimoji="1" lang="en-US" altLang="ja-JP" dirty="0"/>
+          </a:p>
+          <a:p>
+            <a:pPr lvl="1"/>
+            <a:r>
+              <a:rPr lang="en-US" altLang="ja-JP" dirty="0" err="1"/>
+              <a:t>JQuery</a:t>
+            </a:r>
+            <a:r>
+              <a:rPr lang="ja-JP" altLang="en-US"/>
+              <a:t>側での入力部分の追加</a:t>
+            </a:r>
+            <a:endParaRPr lang="en-US" altLang="ja-JP" dirty="0"/>
+          </a:p>
+          <a:p>
+            <a:pPr lvl="1"/>
+            <a:r>
+              <a:rPr lang="en-US" altLang="ja-JP" dirty="0"/>
+              <a:t>HTML</a:t>
+            </a:r>
+            <a:r>
+              <a:rPr lang="ja-JP" altLang="en-US"/>
+              <a:t>側の呼び出し元を一つに</a:t>
+            </a:r>
+            <a:endParaRPr lang="en-US" altLang="ja-JP" dirty="0"/>
+          </a:p>
+        </p:txBody>
+      </p:sp>
+      <p:sp>
+        <p:nvSpPr>
+          <p:cNvPr id="4" name="スライド番号プレースホルダー 3">
+            <a:extLst>
+              <a:ext uri="{FF2B5EF4-FFF2-40B4-BE49-F238E27FC236}">
+                <a16:creationId xmlns:a16="http://schemas.microsoft.com/office/drawing/2014/main" id="{D6B7FB2E-12B6-3043-842F-31EB878F4922}"/>
+              </a:ext>
+            </a:extLst>
+          </p:cNvPr>
+          <p:cNvSpPr>
+            <a:spLocks noGrp="1"/>
+          </p:cNvSpPr>
+          <p:nvPr>
+            <p:ph type="sldNum" sz="quarter" idx="12"/>
+          </p:nvPr>
+        </p:nvSpPr>
+        <p:spPr/>
+        <p:txBody>
+          <a:bodyPr/>
+          <a:lstStyle/>
+          <a:p>
+            <a:pPr algn="ctr"/>
+            <a:fld id="{CA23F248-F353-4F36-A746-B1953A38AE2D}" type="slidenum">
+              <a:rPr lang="ja-JP" altLang="en-US" smtClean="0"/>
+              <a:pPr algn="ctr"/>
+              <a:t>7</a:t>
+            </a:fld>
+            <a:endParaRPr lang="ja-JP" altLang="en-US" dirty="0"/>
+          </a:p>
+        </p:txBody>
+      </p:sp>
+    </p:spTree>
+    <p:extLst>
+      <p:ext uri="{BB962C8B-B14F-4D97-AF65-F5344CB8AC3E}">
+        <p14:creationId xmlns:p14="http://schemas.microsoft.com/office/powerpoint/2010/main" val="677027068"/>
+      </p:ext>
+    </p:extLst>
+  </p:cSld>
+  <p:clrMapOvr>
+    <a:masterClrMapping/>
+  </p:clrMapOvr>
+</p:sld>
+</file>
+
+<file path=ppt/slides/slide8.xml><?xml version="1.0" encoding="utf-8"?>
+<p:sld xmlns:a="http://schemas.openxmlformats.org/drawingml/2006/main" xmlns:r="http://schemas.openxmlformats.org/officeDocument/2006/relationships" xmlns:p="http://schemas.openxmlformats.org/presentationml/2006/main">
+  <p:cSld>
+    <p:spTree>
+      <p:nvGrpSpPr>
+        <p:cNvPr id="1" name=""/>
+        <p:cNvGrpSpPr/>
+        <p:nvPr/>
+      </p:nvGrpSpPr>
+      <p:grpSpPr>
+        <a:xfrm>
+          <a:off x="0" y="0"/>
+          <a:ext cx="0" cy="0"/>
+          <a:chOff x="0" y="0"/>
+          <a:chExt cx="0" cy="0"/>
+        </a:xfrm>
+      </p:grpSpPr>
+      <p:sp>
+        <p:nvSpPr>
+          <p:cNvPr id="2" name="タイトル 1">
+            <a:extLst>
+              <a:ext uri="{FF2B5EF4-FFF2-40B4-BE49-F238E27FC236}">
                 <a16:creationId xmlns:a16="http://schemas.microsoft.com/office/drawing/2014/main" id="{32F983C4-B543-1B42-9785-9D20006EC944}"/>
               </a:ext>
             </a:extLst>
@@ -4858,7 +5069,7 @@
             <a:fld id="{CA23F248-F353-4F36-A746-B1953A38AE2D}" type="slidenum">
               <a:rPr lang="ja-JP" altLang="en-US" smtClean="0"/>
               <a:pPr algn="ctr"/>
-              <a:t>7</a:t>
+              <a:t>8</a:t>
             </a:fld>
             <a:endParaRPr lang="ja-JP" altLang="en-US" dirty="0"/>
           </a:p>
@@ -4867,7 +5078,7 @@
     </p:spTree>
     <p:extLst>
       <p:ext uri="{BB962C8B-B14F-4D97-AF65-F5344CB8AC3E}">
-        <p14:creationId xmlns:p14="http://schemas.microsoft.com/office/powerpoint/2010/main" val="3031867729"/>
+        <p14:creationId xmlns:p14="http://schemas.microsoft.com/office/powerpoint/2010/main" val="919169304"/>
       </p:ext>
     </p:extLst>
   </p:cSld>

--- a/1126進捗(真).pptx
+++ b/1126進捗(真).pptx
@@ -5003,6 +5003,14 @@
             <a:r>
               <a:rPr kumimoji="1" lang="ja-JP" altLang="en-US"/>
               <a:t>シミュレートする部分の追加</a:t>
+            </a:r>
+            <a:endParaRPr kumimoji="1" lang="en-US" altLang="ja-JP" dirty="0"/>
+          </a:p>
+          <a:p>
+            <a:pPr lvl="1"/>
+            <a:r>
+              <a:rPr kumimoji="1" lang="ja-JP" altLang="en-US"/>
+              <a:t>線の描画の安定</a:t>
             </a:r>
             <a:endParaRPr kumimoji="1" lang="en-US" altLang="ja-JP" dirty="0"/>
           </a:p>
